--- a/Project_1/report/Project1_第7組_小組報告.pptx
+++ b/Project_1/report/Project1_第7組_小組報告.pptx
@@ -3865,7 +3865,7 @@
             <a:pPr rtl="0"/>
             <a:fld id="{3AA7418C-1A37-4630-8C30-B2836F55C532}" type="datetime1">
               <a:rPr lang="zh-TW" altLang="en-US" smtClean="0"/>
-              <a:t>2022/5/23</a:t>
+              <a:t>2022/5/24</a:t>
             </a:fld>
             <a:endParaRPr lang="en-US" dirty="0"/>
           </a:p>
@@ -4035,7 +4035,7 @@
             <a:pPr rtl="0"/>
             <a:fld id="{AB916EA9-9B8C-4B06-BBDB-07A75F4AF607}" type="datetime1">
               <a:rPr lang="zh-TW" altLang="en-US" smtClean="0"/>
-              <a:t>2022/5/23</a:t>
+              <a:t>2022/5/24</a:t>
             </a:fld>
             <a:endParaRPr lang="en-US"/>
           </a:p>
@@ -4782,7 +4782,7 @@
           <a:p>
             <a:fld id="{4D9EAB54-90A7-4427-8D5D-1517AC1256FE}" type="datetime1">
               <a:rPr lang="zh-TW" altLang="en-US" smtClean="0"/>
-              <a:t>2022/5/23</a:t>
+              <a:t>2022/5/24</a:t>
             </a:fld>
             <a:endParaRPr lang="en-US" dirty="0"/>
           </a:p>
@@ -4991,7 +4991,7 @@
             <a:pPr rtl="0"/>
             <a:fld id="{0DE064CC-B997-463F-949D-526814740EEF}" type="datetime1">
               <a:rPr lang="zh-TW" altLang="en-US" smtClean="0"/>
-              <a:t>2022/5/23</a:t>
+              <a:t>2022/5/24</a:t>
             </a:fld>
             <a:endParaRPr lang="en-US"/>
           </a:p>
@@ -5175,7 +5175,7 @@
             <a:pPr rtl="0"/>
             <a:fld id="{22128EAF-448F-42C4-BB03-9B0CC8E0C77B}" type="datetime1">
               <a:rPr lang="zh-TW" altLang="en-US" smtClean="0"/>
-              <a:t>2022/5/23</a:t>
+              <a:t>2022/5/24</a:t>
             </a:fld>
             <a:endParaRPr lang="en-US"/>
           </a:p>
@@ -5349,7 +5349,7 @@
             <a:pPr rtl="0"/>
             <a:fld id="{CE847876-3A2B-49FA-B396-40048599C954}" type="datetime1">
               <a:rPr lang="zh-TW" altLang="en-US" smtClean="0"/>
-              <a:t>2022/5/23</a:t>
+              <a:t>2022/5/24</a:t>
             </a:fld>
             <a:endParaRPr lang="en-US"/>
           </a:p>
@@ -5953,7 +5953,7 @@
           <a:p>
             <a:fld id="{294347CA-4B58-4AEE-8DA6-4E2B096FC96F}" type="datetime1">
               <a:rPr lang="zh-TW" altLang="en-US" smtClean="0"/>
-              <a:t>2022/5/23</a:t>
+              <a:t>2022/5/24</a:t>
             </a:fld>
             <a:endParaRPr dirty="0"/>
           </a:p>
@@ -6280,7 +6280,7 @@
             <a:pPr rtl="0"/>
             <a:fld id="{23CCF91B-17D2-4072-B2E9-D16F58DFD8EB}" type="datetime1">
               <a:rPr lang="zh-TW" altLang="en-US" smtClean="0"/>
-              <a:t>2022/5/23</a:t>
+              <a:t>2022/5/24</a:t>
             </a:fld>
             <a:endParaRPr lang="en-US"/>
           </a:p>
@@ -6721,7 +6721,7 @@
             <a:pPr rtl="0"/>
             <a:fld id="{9651C41F-D9A3-457D-A3FA-0A5DBEF4266B}" type="datetime1">
               <a:rPr lang="zh-TW" altLang="en-US" smtClean="0"/>
-              <a:t>2022/5/23</a:t>
+              <a:t>2022/5/24</a:t>
             </a:fld>
             <a:endParaRPr lang="en-US" dirty="0"/>
           </a:p>
@@ -6843,7 +6843,7 @@
             <a:pPr rtl="0"/>
             <a:fld id="{A33183BB-2861-4A80-80A6-2C9B82653C78}" type="datetime1">
               <a:rPr lang="zh-TW" altLang="en-US" smtClean="0"/>
-              <a:t>2022/5/23</a:t>
+              <a:t>2022/5/24</a:t>
             </a:fld>
             <a:endParaRPr lang="en-US"/>
           </a:p>
@@ -6941,7 +6941,7 @@
             <a:pPr rtl="0"/>
             <a:fld id="{956085DB-A18D-4659-BA29-412FA9C45839}" type="datetime1">
               <a:rPr lang="zh-TW" altLang="en-US" smtClean="0"/>
-              <a:t>2022/5/23</a:t>
+              <a:t>2022/5/24</a:t>
             </a:fld>
             <a:endParaRPr lang="en-US"/>
           </a:p>
@@ -7379,7 +7379,7 @@
             <a:pPr rtl="0"/>
             <a:fld id="{453BEA6C-00E9-40EA-A338-3A3492325C3F}" type="datetime1">
               <a:rPr lang="zh-TW" altLang="en-US" smtClean="0"/>
-              <a:t>2022/5/23</a:t>
+              <a:t>2022/5/24</a:t>
             </a:fld>
             <a:endParaRPr lang="en-US" dirty="0"/>
           </a:p>
@@ -7645,7 +7645,7 @@
           <a:p>
             <a:fld id="{0827CC67-2DD7-42FE-B417-D6036783A853}" type="datetime1">
               <a:rPr lang="zh-TW" altLang="en-US" smtClean="0"/>
-              <a:t>2022/5/23</a:t>
+              <a:t>2022/5/24</a:t>
             </a:fld>
             <a:endParaRPr lang="en-US" dirty="0"/>
           </a:p>
@@ -8166,7 +8166,7 @@
           <a:p>
             <a:fld id="{46C11105-4E24-4682-A6F5-E2BADE4D0872}" type="datetime1">
               <a:rPr lang="zh-TW" altLang="en-US" smtClean="0"/>
-              <a:t>2022/5/23</a:t>
+              <a:t>2022/5/24</a:t>
             </a:fld>
             <a:endParaRPr lang="en-US" dirty="0"/>
           </a:p>
@@ -9196,6 +9196,36 @@
           </a:p>
         </p:txBody>
       </p:sp>
+      <p:pic>
+        <p:nvPicPr>
+          <p:cNvPr id="5" name="圖片 4">
+            <a:extLst>
+              <a:ext uri="{FF2B5EF4-FFF2-40B4-BE49-F238E27FC236}">
+                <a16:creationId xmlns:a16="http://schemas.microsoft.com/office/drawing/2014/main" id="{1F329B2B-3A6D-4913-B06D-48CEC095435E}"/>
+              </a:ext>
+            </a:extLst>
+          </p:cNvPr>
+          <p:cNvPicPr>
+            <a:picLocks noChangeAspect="1"/>
+          </p:cNvPicPr>
+          <p:nvPr/>
+        </p:nvPicPr>
+        <p:blipFill>
+          <a:blip r:embed="rId3"/>
+          <a:stretch>
+            <a:fillRect/>
+          </a:stretch>
+        </p:blipFill>
+        <p:spPr>
+          <a:xfrm>
+            <a:off x="9391105" y="4196651"/>
+            <a:ext cx="1171739" cy="1181265"/>
+          </a:xfrm>
+          <a:prstGeom prst="rect">
+            <a:avLst/>
+          </a:prstGeom>
+        </p:spPr>
+      </p:pic>
     </p:spTree>
     <p:extLst>
       <p:ext uri="{BB962C8B-B14F-4D97-AF65-F5344CB8AC3E}">
@@ -9343,7 +9373,7 @@
             <a:pPr rtl="0"/>
             <a:fld id="{CE847876-3A2B-49FA-B396-40048599C954}" type="datetime1">
               <a:rPr lang="zh-TW" altLang="en-US" smtClean="0"/>
-              <a:t>2022/5/23</a:t>
+              <a:t>2022/5/24</a:t>
             </a:fld>
             <a:endParaRPr lang="en-US"/>
           </a:p>
@@ -9484,7 +9514,7 @@
                   <a:spcPts val="600"/>
                 </a:spcAft>
               </a:pPr>
-              <a:t>2022/5/23</a:t>
+              <a:t>2022/5/24</a:t>
             </a:fld>
             <a:endParaRPr lang="en-US"/>
           </a:p>
@@ -9827,7 +9857,7 @@
             </a:extLst>
           </p:cNvPr>
           <p:cNvPicPr>
-            <a:picLocks noChangeAspect="1"/>
+            <a:picLocks noGrp="1" noChangeAspect="1"/>
           </p:cNvPicPr>
           <p:nvPr>
             <p:ph sz="quarter" idx="4"/>
@@ -10049,15 +10079,19 @@
             </a:r>
           </a:p>
           <a:p>
-            <a:pPr marL="457200" indent="-457200">
+            <a:pPr marL="284400" indent="-284400">
               <a:buFont typeface="+mj-lt"/>
               <a:buAutoNum type="arabicPeriod"/>
             </a:pPr>
             <a:r>
+              <a:rPr lang="en-US" altLang="zh-TW" sz="2000" dirty="0"/>
+              <a:t>File</a:t>
+            </a:r>
+            <a:r>
               <a:rPr lang="en-US" altLang="zh-TW" sz="2000" dirty="0">
                 <a:latin typeface="+mn-lt"/>
               </a:rPr>
-              <a:t>File -&gt; Open Dir -&gt; </a:t>
+              <a:t> -&gt; Open Dir -&gt; </a:t>
             </a:r>
             <a:r>
               <a:rPr lang="zh-TW" altLang="zh-TW" sz="2000" dirty="0">
@@ -10210,7 +10244,7 @@
               <a:rPr lang="en-US" altLang="zh-TW" sz="2000" dirty="0">
                 <a:latin typeface="+mn-lt"/>
               </a:rPr>
-              <a:t>4~8</a:t>
+              <a:t>4~7</a:t>
             </a:r>
             <a:r>
               <a:rPr lang="zh-TW" altLang="zh-TW" sz="2000" dirty="0">
@@ -10599,6 +10633,47 @@
           </a:prstGeom>
         </p:spPr>
       </p:pic>
+      <p:cxnSp>
+        <p:nvCxnSpPr>
+          <p:cNvPr id="7" name="直線接點 6">
+            <a:extLst>
+              <a:ext uri="{FF2B5EF4-FFF2-40B4-BE49-F238E27FC236}">
+                <a16:creationId xmlns:a16="http://schemas.microsoft.com/office/drawing/2014/main" id="{DBD0F20E-4EDB-4E94-B8FA-6264225A1E56}"/>
+              </a:ext>
+            </a:extLst>
+          </p:cNvPr>
+          <p:cNvCxnSpPr/>
+          <p:nvPr/>
+        </p:nvCxnSpPr>
+        <p:spPr>
+          <a:xfrm>
+            <a:off x="1331650" y="4012707"/>
+            <a:ext cx="2618913" cy="0"/>
+          </a:xfrm>
+          <a:prstGeom prst="line">
+            <a:avLst/>
+          </a:prstGeom>
+          <a:ln w="28575">
+            <a:solidFill>
+              <a:schemeClr val="accent2"/>
+            </a:solidFill>
+          </a:ln>
+        </p:spPr>
+        <p:style>
+          <a:lnRef idx="1">
+            <a:schemeClr val="accent1"/>
+          </a:lnRef>
+          <a:fillRef idx="0">
+            <a:schemeClr val="accent1"/>
+          </a:fillRef>
+          <a:effectRef idx="0">
+            <a:schemeClr val="accent1"/>
+          </a:effectRef>
+          <a:fontRef idx="minor">
+            <a:schemeClr val="tx1"/>
+          </a:fontRef>
+        </p:style>
+      </p:cxnSp>
     </p:spTree>
     <p:extLst>
       <p:ext uri="{BB962C8B-B14F-4D97-AF65-F5344CB8AC3E}">
